--- a/Advanced_Libraries_in_Python_Presentation.pptx
+++ b/Advanced_Libraries_in_Python_Presentation.pptx
@@ -3321,12 +3321,8 @@
           </a:p>
           <a:p>
             <a:r>
-              <a:rPr dirty="0"/>
-              <a:t>https://github.com/</a:t>
-            </a:r>
-            <a:r>
-              <a:rPr lang="en-IN" dirty="0"/>
-              <a:t>Yanshi21/2402031030030-Python/</a:t>
+              <a:rPr lang="en-IN"/>
+              <a:t>https://github.com/Meetrasinh04/Python-assignment-3</a:t>
             </a:r>
             <a:endParaRPr dirty="0"/>
           </a:p>
